--- a/txt2pptx/templates/ocean_gradient.pptx
+++ b/txt2pptx/templates/ocean_gradient.pptx
@@ -7,10 +7,8 @@
   <p:notesMasterIdLst>
     <p:notesMasterId r:id="rId5"/>
   </p:notesMasterIdLst>
-  <p:sldIdLst>
-    <p:sldId id="256" r:id="rId6"/>
-  </p:sldIdLst>
-  <p:sldSz cy="5143500" cx="9144000"/>
+  <p:sldIdLst/>
+  <p:sldSz cy="6858000" cx="12191695"/>
   <p:notesSz cx="6858000" cy="9144000"/>
   <p:defaultTextStyle>
     <a:defPPr lvl="0" marR="0" rtl="0" algn="l">
@@ -686,105 +684,6 @@
 </p:notesMaster>
 </file>
 
-<file path=ppt/notesSlides/notesSlide1.xml><?xml version="1.0" encoding="utf-8"?>
-<p:notes xmlns:a="http://schemas.openxmlformats.org/drawingml/2006/main" xmlns:r="http://schemas.openxmlformats.org/officeDocument/2006/relationships" xmlns:mc="http://schemas.openxmlformats.org/markup-compatibility/2006" xmlns:mv="urn:schemas-microsoft-com:mac:vml" xmlns:p="http://schemas.openxmlformats.org/presentationml/2006/main" xmlns:c="http://schemas.openxmlformats.org/drawingml/2006/chart" xmlns:dgm="http://schemas.openxmlformats.org/drawingml/2006/diagram" xmlns:o="urn:schemas-microsoft-com:office:office" xmlns:v="urn:schemas-microsoft-com:vml" xmlns:pvml="urn:schemas-microsoft-com:office:powerpoint" xmlns:com="http://schemas.openxmlformats.org/drawingml/2006/compatibility" xmlns:p14="http://schemas.microsoft.com/office/powerpoint/2010/main" xmlns:p15="http://schemas.microsoft.com/office/powerpoint/2012/main" xmlns:ahyp="http://schemas.microsoft.com/office/drawing/2018/hyperlinkcolor" showMasterPhAnim="0" showMasterSp="0">
-  <p:cSld>
-    <p:spTree>
-      <p:nvGrpSpPr>
-        <p:cNvPr id="54" name="Shape 54"/>
-        <p:cNvGrpSpPr/>
-        <p:nvPr/>
-      </p:nvGrpSpPr>
-      <p:grpSpPr>
-        <a:xfrm>
-          <a:off x="0" y="0"/>
-          <a:ext cx="0" cy="0"/>
-          <a:chOff x="0" y="0"/>
-          <a:chExt cx="0" cy="0"/>
-        </a:xfrm>
-      </p:grpSpPr>
-      <p:sp>
-        <p:nvSpPr>
-          <p:cNvPr id="55" name="Google Shape;55;p:notes"/>
-          <p:cNvSpPr/>
-          <p:nvPr>
-            <p:ph idx="2" type="sldImg"/>
-          </p:nvPr>
-        </p:nvSpPr>
-        <p:spPr>
-          <a:xfrm>
-            <a:off x="381300" y="685800"/>
-            <a:ext cx="6096075" cy="3429000"/>
-          </a:xfrm>
-          <a:custGeom>
-            <a:rect b="b" l="l" r="r" t="t"/>
-            <a:pathLst>
-              <a:path extrusionOk="0" h="120000" w="120000">
-                <a:moveTo>
-                  <a:pt x="0" y="0"/>
-                </a:moveTo>
-                <a:lnTo>
-                  <a:pt x="120000" y="0"/>
-                </a:lnTo>
-                <a:lnTo>
-                  <a:pt x="120000" y="120000"/>
-                </a:lnTo>
-                <a:lnTo>
-                  <a:pt x="0" y="120000"/>
-                </a:lnTo>
-                <a:close/>
-              </a:path>
-            </a:pathLst>
-          </a:custGeom>
-        </p:spPr>
-      </p:sp>
-      <p:sp>
-        <p:nvSpPr>
-          <p:cNvPr id="56" name="Google Shape;56;p:notes"/>
-          <p:cNvSpPr txBox="1"/>
-          <p:nvPr>
-            <p:ph idx="1" type="body"/>
-          </p:nvPr>
-        </p:nvSpPr>
-        <p:spPr>
-          <a:xfrm>
-            <a:off x="685800" y="4343400"/>
-            <a:ext cx="5486400" cy="4114800"/>
-          </a:xfrm>
-          <a:prstGeom prst="rect">
-            <a:avLst/>
-          </a:prstGeom>
-        </p:spPr>
-        <p:txBody>
-          <a:bodyPr anchorCtr="0" anchor="t" bIns="91425" lIns="91425" spcFirstLastPara="1" rIns="91425" wrap="square" tIns="91425">
-            <a:noAutofit/>
-          </a:bodyPr>
-          <a:lstStyle/>
-          <a:p>
-            <a:pPr indent="0" lvl="0" marL="0" rtl="0" algn="l">
-              <a:spcBef>
-                <a:spcPts val="0"/>
-              </a:spcBef>
-              <a:spcAft>
-                <a:spcPts val="0"/>
-              </a:spcAft>
-              <a:buNone/>
-            </a:pPr>
-            <a:r>
-              <a:t/>
-            </a:r>
-            <a:endParaRPr/>
-          </a:p>
-        </p:txBody>
-      </p:sp>
-    </p:spTree>
-  </p:cSld>
-  <p:clrMapOvr>
-    <a:masterClrMapping/>
-  </p:clrMapOvr>
-</p:notes>
-</file>
-
 <file path=ppt/slideLayouts/slideLayout1.xml><?xml version="1.0" encoding="utf-8"?>
 <p:sldLayout xmlns:a="http://schemas.openxmlformats.org/drawingml/2006/main" xmlns:r="http://schemas.openxmlformats.org/officeDocument/2006/relationships" xmlns:mc="http://schemas.openxmlformats.org/markup-compatibility/2006" xmlns:mv="urn:schemas-microsoft-com:mac:vml" xmlns:p="http://schemas.openxmlformats.org/presentationml/2006/main" xmlns:c="http://schemas.openxmlformats.org/drawingml/2006/chart" xmlns:dgm="http://schemas.openxmlformats.org/drawingml/2006/diagram" xmlns:o="urn:schemas-microsoft-com:office:office" xmlns:v="urn:schemas-microsoft-com:vml" xmlns:pvml="urn:schemas-microsoft-com:office:powerpoint" xmlns:com="http://schemas.openxmlformats.org/drawingml/2006/compatibility" xmlns:p14="http://schemas.microsoft.com/office/powerpoint/2010/main" xmlns:p15="http://schemas.microsoft.com/office/powerpoint/2012/main" xmlns:ahyp="http://schemas.microsoft.com/office/drawing/2018/hyperlinkcolor" matchingName="title_slide" type="title">
   <p:cSld name="TITLE">
@@ -819,8 +718,8 @@
         </p:nvSpPr>
         <p:spPr>
           <a:xfrm>
-            <a:off x="311700" y="1797600"/>
-            <a:ext cx="8520600" cy="954300"/>
+            <a:off x="415589" y="2396800"/>
+            <a:ext cx="11360515" cy="1272400"/>
           </a:xfrm>
           <a:prstGeom prst="rect">
             <a:avLst/>
@@ -944,8 +843,8 @@
         </p:nvSpPr>
         <p:spPr>
           <a:xfrm>
-            <a:off x="311700" y="2834125"/>
-            <a:ext cx="8520600" cy="792600"/>
+            <a:off x="415589" y="3778833"/>
+            <a:ext cx="11360515" cy="1056800"/>
           </a:xfrm>
           <a:prstGeom prst="rect">
             <a:avLst/>
@@ -1096,8 +995,8 @@
         </p:nvSpPr>
         <p:spPr>
           <a:xfrm>
-            <a:off x="8472458" y="4663217"/>
-            <a:ext cx="548700" cy="393600"/>
+            <a:off x="11296328" y="6217622"/>
+            <a:ext cx="731581" cy="524800"/>
           </a:xfrm>
           <a:prstGeom prst="rect">
             <a:avLst/>
@@ -1171,8 +1070,8 @@
         </p:nvSpPr>
         <p:spPr>
           <a:xfrm>
-            <a:off x="0" y="5045400"/>
-            <a:ext cx="9144000" cy="98100"/>
+            <a:off x="0" y="6727200"/>
+            <a:ext cx="12191694" cy="130800"/>
           </a:xfrm>
           <a:prstGeom prst="rect">
             <a:avLst/>
@@ -1247,8 +1146,8 @@
         </p:nvSpPr>
         <p:spPr>
           <a:xfrm>
-            <a:off x="8472458" y="4663217"/>
-            <a:ext cx="548700" cy="393600"/>
+            <a:off x="11296328" y="6217622"/>
+            <a:ext cx="731581" cy="524800"/>
           </a:xfrm>
           <a:prstGeom prst="rect">
             <a:avLst/>
@@ -1324,8 +1223,8 @@
         </p:nvSpPr>
         <p:spPr>
           <a:xfrm>
-            <a:off x="226575" y="1963725"/>
-            <a:ext cx="8489400" cy="460800"/>
+            <a:off x="302092" y="2618300"/>
+            <a:ext cx="11318916" cy="614400"/>
           </a:xfrm>
           <a:prstGeom prst="rect">
             <a:avLst/>
@@ -1449,8 +1348,8 @@
         </p:nvSpPr>
         <p:spPr>
           <a:xfrm>
-            <a:off x="1790025" y="2605725"/>
-            <a:ext cx="5188800" cy="528600"/>
+            <a:off x="2386640" y="3474300"/>
+            <a:ext cx="6918226" cy="704800"/>
           </a:xfrm>
           <a:prstGeom prst="rect">
             <a:avLst/>
@@ -1599,8 +1498,8 @@
         </p:nvSpPr>
         <p:spPr>
           <a:xfrm>
-            <a:off x="311700" y="445025"/>
-            <a:ext cx="8520600" cy="572700"/>
+            <a:off x="415589" y="593366"/>
+            <a:ext cx="11360515" cy="763600"/>
           </a:xfrm>
           <a:prstGeom prst="rect">
             <a:avLst/>
@@ -1724,8 +1623,8 @@
         </p:nvSpPr>
         <p:spPr>
           <a:xfrm>
-            <a:off x="311700" y="1152475"/>
-            <a:ext cx="5881500" cy="3636000"/>
+            <a:off x="415589" y="1536633"/>
+            <a:ext cx="7841803" cy="4848000"/>
           </a:xfrm>
           <a:prstGeom prst="rect">
             <a:avLst/>
@@ -1849,8 +1748,8 @@
         </p:nvSpPr>
         <p:spPr>
           <a:xfrm>
-            <a:off x="8472458" y="4663217"/>
-            <a:ext cx="548700" cy="393600"/>
+            <a:off x="11296328" y="6217622"/>
+            <a:ext cx="731581" cy="524800"/>
           </a:xfrm>
           <a:prstGeom prst="rect">
             <a:avLst/>
@@ -1918,52 +1817,23 @@
       </p:sp>
       <p:sp>
         <p:nvSpPr>
-          <p:cNvPr id="23" name="Google Shape;23;p4"/>
-          <p:cNvSpPr/>
-          <p:nvPr/>
+          <p:cNvPr id="23" name="Picture Placeholder 10"/>
+          <p:cNvSpPr>
+            <a:spLocks noGrp="1"/>
+          </p:cNvSpPr>
+          <p:nvPr>
+            <p:ph type="pic" idx="10"/>
+          </p:nvPr>
         </p:nvSpPr>
         <p:spPr>
           <a:xfrm>
-            <a:off x="6427500" y="1152475"/>
-            <a:ext cx="2197800" cy="3590700"/>
+            <a:off x="8569785" y="1536633"/>
+            <a:ext cx="2930326" cy="4787600"/>
           </a:xfrm>
           <a:prstGeom prst="rect">
             <a:avLst/>
           </a:prstGeom>
-          <a:solidFill>
-            <a:schemeClr val="lt2"/>
-          </a:solidFill>
-          <a:ln cap="flat" cmpd="sng" w="9525">
-            <a:solidFill>
-              <a:schemeClr val="dk2"/>
-            </a:solidFill>
-            <a:prstDash val="solid"/>
-            <a:round/>
-            <a:headEnd len="sm" w="sm" type="none"/>
-            <a:tailEnd len="sm" w="sm" type="none"/>
-          </a:ln>
         </p:spPr>
-        <p:txBody>
-          <a:bodyPr anchorCtr="0" anchor="ctr" bIns="91425" lIns="91425" spcFirstLastPara="1" rIns="91425" wrap="square" tIns="91425">
-            <a:noAutofit/>
-          </a:bodyPr>
-          <a:lstStyle/>
-          <a:p>
-            <a:pPr indent="0" lvl="0" marL="0" rtl="0" algn="ctr">
-              <a:spcBef>
-                <a:spcPts val="0"/>
-              </a:spcBef>
-              <a:spcAft>
-                <a:spcPts val="0"/>
-              </a:spcAft>
-              <a:buNone/>
-            </a:pPr>
-            <a:r>
-              <a:t/>
-            </a:r>
-            <a:endParaRPr/>
-          </a:p>
-        </p:txBody>
       </p:sp>
     </p:spTree>
   </p:cSld>
@@ -2000,8 +1870,8 @@
         </p:nvSpPr>
         <p:spPr>
           <a:xfrm>
-            <a:off x="311700" y="445025"/>
-            <a:ext cx="8520600" cy="572700"/>
+            <a:off x="415589" y="593366"/>
+            <a:ext cx="11360515" cy="763600"/>
           </a:xfrm>
           <a:prstGeom prst="rect">
             <a:avLst/>
@@ -2125,8 +1995,8 @@
         </p:nvSpPr>
         <p:spPr>
           <a:xfrm>
-            <a:off x="311700" y="1152475"/>
-            <a:ext cx="3999900" cy="3416400"/>
+            <a:off x="415589" y="1536633"/>
+            <a:ext cx="5333066" cy="4555200"/>
           </a:xfrm>
           <a:prstGeom prst="rect">
             <a:avLst/>
@@ -2250,8 +2120,8 @@
         </p:nvSpPr>
         <p:spPr>
           <a:xfrm>
-            <a:off x="4832400" y="1152475"/>
-            <a:ext cx="3999900" cy="3416400"/>
+            <a:off x="6443038" y="1536633"/>
+            <a:ext cx="5333066" cy="4555200"/>
           </a:xfrm>
           <a:prstGeom prst="rect">
             <a:avLst/>
@@ -2375,8 +2245,8 @@
         </p:nvSpPr>
         <p:spPr>
           <a:xfrm>
-            <a:off x="8472458" y="4663217"/>
-            <a:ext cx="548700" cy="393600"/>
+            <a:off x="11296328" y="6217622"/>
+            <a:ext cx="731581" cy="524800"/>
           </a:xfrm>
           <a:prstGeom prst="rect">
             <a:avLst/>
@@ -2477,8 +2347,8 @@
         </p:nvSpPr>
         <p:spPr>
           <a:xfrm>
-            <a:off x="311700" y="445025"/>
-            <a:ext cx="8520600" cy="572700"/>
+            <a:off x="415589" y="593366"/>
+            <a:ext cx="11360515" cy="763600"/>
           </a:xfrm>
           <a:prstGeom prst="rect">
             <a:avLst/>
@@ -2602,8 +2472,8 @@
         </p:nvSpPr>
         <p:spPr>
           <a:xfrm>
-            <a:off x="8472458" y="4663217"/>
-            <a:ext cx="548700" cy="393600"/>
+            <a:off x="11296328" y="6217622"/>
+            <a:ext cx="731581" cy="524800"/>
           </a:xfrm>
           <a:prstGeom prst="rect">
             <a:avLst/>
@@ -2665,56 +2535,6 @@
               <a:rPr lang="zh-TW"/>
               <a:t>‹#›</a:t>
             </a:fld>
-            <a:endParaRPr/>
-          </a:p>
-        </p:txBody>
-      </p:sp>
-      <p:sp>
-        <p:nvSpPr>
-          <p:cNvPr id="32" name="Google Shape;32;p6"/>
-          <p:cNvSpPr/>
-          <p:nvPr/>
-        </p:nvSpPr>
-        <p:spPr>
-          <a:xfrm>
-            <a:off x="543800" y="1163150"/>
-            <a:ext cx="3383700" cy="3655500"/>
-          </a:xfrm>
-          <a:prstGeom prst="rect">
-            <a:avLst/>
-          </a:prstGeom>
-          <a:solidFill>
-            <a:schemeClr val="lt2"/>
-          </a:solidFill>
-          <a:ln cap="flat" cmpd="sng" w="9525">
-            <a:solidFill>
-              <a:schemeClr val="dk2"/>
-            </a:solidFill>
-            <a:prstDash val="solid"/>
-            <a:round/>
-            <a:headEnd len="sm" w="sm" type="none"/>
-            <a:tailEnd len="sm" w="sm" type="none"/>
-          </a:ln>
-        </p:spPr>
-        <p:txBody>
-          <a:bodyPr anchorCtr="0" anchor="ctr" bIns="91425" lIns="91425" spcFirstLastPara="1" rIns="91425" wrap="square" tIns="91425">
-            <a:noAutofit/>
-          </a:bodyPr>
-          <a:lstStyle/>
-          <a:p>
-            <a:pPr indent="0" lvl="0" marL="0" rtl="0" algn="ctr">
-              <a:spcBef>
-                <a:spcPts val="0"/>
-              </a:spcBef>
-              <a:spcAft>
-                <a:spcPts val="0"/>
-              </a:spcAft>
-              <a:buNone/>
-            </a:pPr>
-            <a:r>
-              <a:rPr lang="zh-TW"/>
-              <a:t>IMAGE</a:t>
-            </a:r>
             <a:endParaRPr/>
           </a:p>
         </p:txBody>
@@ -2729,8 +2549,8 @@
         </p:nvSpPr>
         <p:spPr>
           <a:xfrm>
-            <a:off x="4071000" y="1208450"/>
-            <a:ext cx="4705500" cy="3610200"/>
+            <a:off x="5427864" y="1611266"/>
+            <a:ext cx="6273843" cy="4813600"/>
           </a:xfrm>
           <a:prstGeom prst="rect">
             <a:avLst/>
@@ -2843,6 +2663,26 @@
           </a:lstStyle>
           <a:p/>
         </p:txBody>
+      </p:sp>
+      <p:sp>
+        <p:nvSpPr>
+          <p:cNvPr id="34" name="Picture Placeholder 10"/>
+          <p:cNvSpPr>
+            <a:spLocks noGrp="1"/>
+          </p:cNvSpPr>
+          <p:nvPr>
+            <p:ph type="pic" idx="10"/>
+          </p:nvPr>
+        </p:nvSpPr>
+        <p:spPr>
+          <a:xfrm>
+            <a:off x="725048" y="1550866"/>
+            <a:ext cx="4511487" cy="4874000"/>
+          </a:xfrm>
+          <a:prstGeom prst="rect">
+            <a:avLst/>
+          </a:prstGeom>
+        </p:spPr>
       </p:sp>
     </p:spTree>
   </p:cSld>
@@ -2879,8 +2719,8 @@
         </p:nvSpPr>
         <p:spPr>
           <a:xfrm>
-            <a:off x="113300" y="157800"/>
-            <a:ext cx="8829300" cy="597600"/>
+            <a:off x="151062" y="210400"/>
+            <a:ext cx="11772105" cy="796800"/>
           </a:xfrm>
           <a:prstGeom prst="rect">
             <a:avLst/>
@@ -3004,8 +2844,8 @@
         </p:nvSpPr>
         <p:spPr>
           <a:xfrm>
-            <a:off x="153100" y="913500"/>
-            <a:ext cx="5073600" cy="3655500"/>
+            <a:off x="204128" y="1218000"/>
+            <a:ext cx="6764630" cy="4874000"/>
           </a:xfrm>
           <a:prstGeom prst="rect">
             <a:avLst/>
@@ -3129,8 +2969,8 @@
         </p:nvSpPr>
         <p:spPr>
           <a:xfrm>
-            <a:off x="8472458" y="4663217"/>
-            <a:ext cx="548700" cy="393600"/>
+            <a:off x="11296328" y="6217622"/>
+            <a:ext cx="731581" cy="524800"/>
           </a:xfrm>
           <a:prstGeom prst="rect">
             <a:avLst/>
@@ -3198,53 +3038,23 @@
       </p:sp>
       <p:sp>
         <p:nvSpPr>
-          <p:cNvPr id="38" name="Google Shape;38;p7"/>
-          <p:cNvSpPr/>
-          <p:nvPr/>
+          <p:cNvPr id="38" name="Picture Placeholder 10"/>
+          <p:cNvSpPr>
+            <a:spLocks noGrp="1"/>
+          </p:cNvSpPr>
+          <p:nvPr>
+            <p:ph type="pic" idx="10"/>
+          </p:nvPr>
         </p:nvSpPr>
         <p:spPr>
           <a:xfrm>
-            <a:off x="5385200" y="913500"/>
-            <a:ext cx="3383700" cy="3655500"/>
+            <a:off x="7180087" y="1218000"/>
+            <a:ext cx="4511487" cy="4874000"/>
           </a:xfrm>
           <a:prstGeom prst="rect">
             <a:avLst/>
           </a:prstGeom>
-          <a:solidFill>
-            <a:schemeClr val="lt2"/>
-          </a:solidFill>
-          <a:ln cap="flat" cmpd="sng" w="9525">
-            <a:solidFill>
-              <a:schemeClr val="dk2"/>
-            </a:solidFill>
-            <a:prstDash val="solid"/>
-            <a:round/>
-            <a:headEnd len="sm" w="sm" type="none"/>
-            <a:tailEnd len="sm" w="sm" type="none"/>
-          </a:ln>
         </p:spPr>
-        <p:txBody>
-          <a:bodyPr anchorCtr="0" anchor="ctr" bIns="91425" lIns="91425" spcFirstLastPara="1" rIns="91425" wrap="square" tIns="91425">
-            <a:noAutofit/>
-          </a:bodyPr>
-          <a:lstStyle/>
-          <a:p>
-            <a:pPr indent="0" lvl="0" marL="0" rtl="0" algn="ctr">
-              <a:spcBef>
-                <a:spcPts val="0"/>
-              </a:spcBef>
-              <a:spcAft>
-                <a:spcPts val="0"/>
-              </a:spcAft>
-              <a:buNone/>
-            </a:pPr>
-            <a:r>
-              <a:rPr lang="zh-TW"/>
-              <a:t>IMAGE</a:t>
-            </a:r>
-            <a:endParaRPr/>
-          </a:p>
-        </p:txBody>
       </p:sp>
     </p:spTree>
   </p:cSld>
@@ -3281,8 +3091,8 @@
         </p:nvSpPr>
         <p:spPr>
           <a:xfrm>
-            <a:off x="279450" y="227575"/>
-            <a:ext cx="8565000" cy="497400"/>
+            <a:off x="372590" y="303433"/>
+            <a:ext cx="11419714" cy="663200"/>
           </a:xfrm>
           <a:prstGeom prst="rect">
             <a:avLst/>
@@ -3321,8 +3131,8 @@
         </p:nvSpPr>
         <p:spPr>
           <a:xfrm>
-            <a:off x="8472458" y="4663217"/>
-            <a:ext cx="548700" cy="393600"/>
+            <a:off x="11296328" y="6217622"/>
+            <a:ext cx="731581" cy="524800"/>
           </a:xfrm>
           <a:prstGeom prst="rect">
             <a:avLst/>
@@ -3398,8 +3208,8 @@
         </p:nvSpPr>
         <p:spPr>
           <a:xfrm>
-            <a:off x="181250" y="868575"/>
-            <a:ext cx="2651100" cy="4025700"/>
+            <a:off x="241660" y="1158100"/>
+            <a:ext cx="3534711" cy="5367600"/>
           </a:xfrm>
           <a:prstGeom prst="rect">
             <a:avLst/>
@@ -3532,8 +3342,8 @@
         </p:nvSpPr>
         <p:spPr>
           <a:xfrm>
-            <a:off x="3178461" y="861022"/>
-            <a:ext cx="2651100" cy="4025700"/>
+            <a:off x="4237841" y="1148029"/>
+            <a:ext cx="3534711" cy="5367600"/>
           </a:xfrm>
           <a:prstGeom prst="rect">
             <a:avLst/>
@@ -3666,8 +3476,8 @@
         </p:nvSpPr>
         <p:spPr>
           <a:xfrm>
-            <a:off x="6175700" y="832150"/>
-            <a:ext cx="2651100" cy="4025700"/>
+            <a:off x="8234060" y="1109533"/>
+            <a:ext cx="3534711" cy="5367600"/>
           </a:xfrm>
           <a:prstGeom prst="rect">
             <a:avLst/>
@@ -3825,8 +3635,8 @@
         </p:nvSpPr>
         <p:spPr>
           <a:xfrm>
-            <a:off x="311700" y="445025"/>
-            <a:ext cx="8520600" cy="572700"/>
+            <a:off x="415589" y="593366"/>
+            <a:ext cx="11360515" cy="763600"/>
           </a:xfrm>
           <a:prstGeom prst="rect">
             <a:avLst/>
@@ -3950,8 +3760,8 @@
         </p:nvSpPr>
         <p:spPr>
           <a:xfrm>
-            <a:off x="311700" y="1152475"/>
-            <a:ext cx="3999900" cy="3416400"/>
+            <a:off x="415589" y="1536633"/>
+            <a:ext cx="5333066" cy="4555200"/>
           </a:xfrm>
           <a:prstGeom prst="rect">
             <a:avLst/>
@@ -4075,8 +3885,8 @@
         </p:nvSpPr>
         <p:spPr>
           <a:xfrm>
-            <a:off x="4832400" y="1152475"/>
-            <a:ext cx="3999900" cy="3416400"/>
+            <a:off x="6443038" y="1536633"/>
+            <a:ext cx="5333066" cy="4555200"/>
           </a:xfrm>
           <a:prstGeom prst="rect">
             <a:avLst/>
@@ -4200,8 +4010,8 @@
         </p:nvSpPr>
         <p:spPr>
           <a:xfrm>
-            <a:off x="8472458" y="4663217"/>
-            <a:ext cx="548700" cy="393600"/>
+            <a:off x="11296328" y="6217622"/>
+            <a:ext cx="731581" cy="524800"/>
           </a:xfrm>
           <a:prstGeom prst="rect">
             <a:avLst/>
@@ -4302,8 +4112,8 @@
         </p:nvSpPr>
         <p:spPr>
           <a:xfrm>
-            <a:off x="8472458" y="4663217"/>
-            <a:ext cx="548700" cy="393600"/>
+            <a:off x="11296328" y="6217622"/>
+            <a:ext cx="731581" cy="524800"/>
           </a:xfrm>
           <a:prstGeom prst="rect">
             <a:avLst/>
@@ -4379,8 +4189,8 @@
         </p:nvSpPr>
         <p:spPr>
           <a:xfrm>
-            <a:off x="203925" y="226575"/>
-            <a:ext cx="8817300" cy="558900"/>
+            <a:off x="271893" y="302100"/>
+            <a:ext cx="11756105" cy="745200"/>
           </a:xfrm>
           <a:prstGeom prst="rect">
             <a:avLst/>
@@ -4504,8 +4314,8 @@
         </p:nvSpPr>
         <p:spPr>
           <a:xfrm>
-            <a:off x="354975" y="861025"/>
-            <a:ext cx="8565000" cy="3859500"/>
+            <a:off x="473288" y="1148033"/>
+            <a:ext cx="11419714" cy="5146000"/>
           </a:xfrm>
           <a:prstGeom prst="rect">
             <a:avLst/>
@@ -4661,8 +4471,8 @@
         </p:nvSpPr>
         <p:spPr>
           <a:xfrm>
-            <a:off x="311700" y="445025"/>
-            <a:ext cx="8520600" cy="572700"/>
+            <a:off x="415589" y="593366"/>
+            <a:ext cx="11360515" cy="763600"/>
           </a:xfrm>
           <a:prstGeom prst="rect">
             <a:avLst/>
@@ -4853,8 +4663,8 @@
         </p:nvSpPr>
         <p:spPr>
           <a:xfrm>
-            <a:off x="311700" y="1152475"/>
-            <a:ext cx="8520600" cy="3416400"/>
+            <a:off x="415589" y="1536633"/>
+            <a:ext cx="11360515" cy="4555200"/>
           </a:xfrm>
           <a:prstGeom prst="rect">
             <a:avLst/>
@@ -5072,8 +4882,8 @@
         </p:nvSpPr>
         <p:spPr>
           <a:xfrm>
-            <a:off x="8472458" y="4663217"/>
-            <a:ext cx="548700" cy="393600"/>
+            <a:off x="11296328" y="6217622"/>
+            <a:ext cx="731581" cy="524800"/>
           </a:xfrm>
           <a:prstGeom prst="rect">
             <a:avLst/>
@@ -5188,7 +4998,7 @@
         <p:spPr>
           <a:xfrm>
             <a:off x="0" y="0"/>
-            <a:ext cx="9144000" cy="98100"/>
+            <a:ext cx="12191694" cy="130800"/>
           </a:xfrm>
           <a:prstGeom prst="rect">
             <a:avLst/>
@@ -5935,109 +5745,6 @@
 </p:sldMaster>
 </file>
 
-<file path=ppt/slides/slide1.xml><?xml version="1.0" encoding="utf-8"?>
-<p:sld xmlns:a="http://schemas.openxmlformats.org/drawingml/2006/main" xmlns:r="http://schemas.openxmlformats.org/officeDocument/2006/relationships" xmlns:mc="http://schemas.openxmlformats.org/markup-compatibility/2006" xmlns:mv="urn:schemas-microsoft-com:mac:vml" xmlns:p="http://schemas.openxmlformats.org/presentationml/2006/main" xmlns:c="http://schemas.openxmlformats.org/drawingml/2006/chart" xmlns:dgm="http://schemas.openxmlformats.org/drawingml/2006/diagram" xmlns:o="urn:schemas-microsoft-com:office:office" xmlns:v="urn:schemas-microsoft-com:vml" xmlns:pvml="urn:schemas-microsoft-com:office:powerpoint" xmlns:com="http://schemas.openxmlformats.org/drawingml/2006/compatibility" xmlns:p14="http://schemas.microsoft.com/office/powerpoint/2010/main" xmlns:p15="http://schemas.microsoft.com/office/powerpoint/2012/main" xmlns:ahyp="http://schemas.microsoft.com/office/drawing/2018/hyperlinkcolor">
-  <p:cSld>
-    <p:spTree>
-      <p:nvGrpSpPr>
-        <p:cNvPr id="57" name="Shape 57"/>
-        <p:cNvGrpSpPr/>
-        <p:nvPr/>
-      </p:nvGrpSpPr>
-      <p:grpSpPr>
-        <a:xfrm>
-          <a:off x="0" y="0"/>
-          <a:ext cx="0" cy="0"/>
-          <a:chOff x="0" y="0"/>
-          <a:chExt cx="0" cy="0"/>
-        </a:xfrm>
-      </p:grpSpPr>
-      <p:sp>
-        <p:nvSpPr>
-          <p:cNvPr id="58" name="Google Shape;58;p11"/>
-          <p:cNvSpPr txBox="1"/>
-          <p:nvPr>
-            <p:ph type="ctrTitle"/>
-          </p:nvPr>
-        </p:nvSpPr>
-        <p:spPr>
-          <a:xfrm>
-            <a:off x="311700" y="1779000"/>
-            <a:ext cx="8520600" cy="1018200"/>
-          </a:xfrm>
-          <a:prstGeom prst="rect">
-            <a:avLst/>
-          </a:prstGeom>
-        </p:spPr>
-        <p:txBody>
-          <a:bodyPr anchorCtr="0" anchor="b" bIns="91425" lIns="91425" spcFirstLastPara="1" rIns="91425" wrap="square" tIns="91425">
-            <a:normAutofit/>
-          </a:bodyPr>
-          <a:lstStyle/>
-          <a:p>
-            <a:pPr indent="0" lvl="0" marL="0" rtl="0" algn="ctr">
-              <a:spcBef>
-                <a:spcPts val="0"/>
-              </a:spcBef>
-              <a:spcAft>
-                <a:spcPts val="0"/>
-              </a:spcAft>
-              <a:buNone/>
-            </a:pPr>
-            <a:r>
-              <a:t/>
-            </a:r>
-            <a:endParaRPr sz="4600"/>
-          </a:p>
-        </p:txBody>
-      </p:sp>
-      <p:sp>
-        <p:nvSpPr>
-          <p:cNvPr id="59" name="Google Shape;59;p11"/>
-          <p:cNvSpPr txBox="1"/>
-          <p:nvPr>
-            <p:ph idx="1" type="subTitle"/>
-          </p:nvPr>
-        </p:nvSpPr>
-        <p:spPr>
-          <a:xfrm>
-            <a:off x="311700" y="2834125"/>
-            <a:ext cx="8520600" cy="792600"/>
-          </a:xfrm>
-          <a:prstGeom prst="rect">
-            <a:avLst/>
-          </a:prstGeom>
-        </p:spPr>
-        <p:txBody>
-          <a:bodyPr anchorCtr="0" anchor="t" bIns="91425" lIns="91425" spcFirstLastPara="1" rIns="91425" wrap="square" tIns="91425">
-            <a:normAutofit/>
-          </a:bodyPr>
-          <a:lstStyle/>
-          <a:p>
-            <a:pPr indent="0" lvl="0" marL="0" rtl="0" algn="ctr">
-              <a:spcBef>
-                <a:spcPts val="0"/>
-              </a:spcBef>
-              <a:spcAft>
-                <a:spcPts val="0"/>
-              </a:spcAft>
-              <a:buNone/>
-            </a:pPr>
-            <a:r>
-              <a:t/>
-            </a:r>
-            <a:endParaRPr sz="2400"/>
-          </a:p>
-        </p:txBody>
-      </p:sp>
-    </p:spTree>
-  </p:cSld>
-  <p:clrMapOvr>
-    <a:masterClrMapping/>
-  </p:clrMapOvr>
-</p:sld>
-</file>
-
 <file path=ppt/theme/theme1.xml><?xml version="1.0" encoding="utf-8"?>
 <a:theme xmlns:a="http://schemas.openxmlformats.org/drawingml/2006/main" xmlns:r="http://schemas.openxmlformats.org/officeDocument/2006/relationships">
   <a:themeElements>
